--- a/PennTechnoGrads.pptx
+++ b/PennTechnoGrads.pptx
@@ -12,7 +12,8 @@
     <p:sldId id="261" r:id="rId6"/>
     <p:sldId id="262" r:id="rId7"/>
     <p:sldId id="263" r:id="rId8"/>
-    <p:sldId id="257" r:id="rId9"/>
+    <p:sldId id="264" r:id="rId9"/>
+    <p:sldId id="257" r:id="rId10"/>
   </p:sldIdLst>
   <p:sldSz cx="12192000" cy="6858000"/>
   <p:notesSz cx="6858000" cy="9144000"/>
@@ -111,7 +112,16 @@
       </a:defRPr>
     </a:lvl9pPr>
   </p:defaultTextStyle>
+  <p:extLst>
+    <p:ext uri="{EFAFB233-063F-42B5-8137-9DF3F51BA10A}">
+      <p15:sldGuideLst xmlns:p15="http://schemas.microsoft.com/office/powerpoint/2012/main"/>
+    </p:ext>
+  </p:extLst>
 </p:presentation>
+</file>
+
+<file path=ppt/revisionInfo.xml><?xml version="1.0" encoding="utf-8"?>
+<p1510:revInfo xmlns:a="http://schemas.openxmlformats.org/drawingml/2006/main" xmlns:r="http://schemas.openxmlformats.org/officeDocument/2006/relationships" xmlns:p1510="http://schemas.microsoft.com/office/powerpoint/2015/10/main"/>
 </file>
 
 <file path=ppt/slideLayouts/slideLayout1.xml><?xml version="1.0" encoding="utf-8"?>
@@ -261,7 +271,7 @@
           <a:p>
             <a:fld id="{2D1072F3-C1D6-41E1-BE99-6268B525527E}" type="datetimeFigureOut">
               <a:rPr lang="en-US" smtClean="0"/>
-              <a:t>11/8/2017</a:t>
+              <a:t>11/9/2017</a:t>
             </a:fld>
             <a:endParaRPr lang="en-US"/>
           </a:p>
@@ -459,7 +469,7 @@
           <a:p>
             <a:fld id="{2D1072F3-C1D6-41E1-BE99-6268B525527E}" type="datetimeFigureOut">
               <a:rPr lang="en-US" smtClean="0"/>
-              <a:t>11/8/2017</a:t>
+              <a:t>11/9/2017</a:t>
             </a:fld>
             <a:endParaRPr lang="en-US"/>
           </a:p>
@@ -667,7 +677,7 @@
           <a:p>
             <a:fld id="{2D1072F3-C1D6-41E1-BE99-6268B525527E}" type="datetimeFigureOut">
               <a:rPr lang="en-US" smtClean="0"/>
-              <a:t>11/8/2017</a:t>
+              <a:t>11/9/2017</a:t>
             </a:fld>
             <a:endParaRPr lang="en-US"/>
           </a:p>
@@ -865,7 +875,7 @@
           <a:p>
             <a:fld id="{2D1072F3-C1D6-41E1-BE99-6268B525527E}" type="datetimeFigureOut">
               <a:rPr lang="en-US" smtClean="0"/>
-              <a:t>11/8/2017</a:t>
+              <a:t>11/9/2017</a:t>
             </a:fld>
             <a:endParaRPr lang="en-US"/>
           </a:p>
@@ -1140,7 +1150,7 @@
           <a:p>
             <a:fld id="{2D1072F3-C1D6-41E1-BE99-6268B525527E}" type="datetimeFigureOut">
               <a:rPr lang="en-US" smtClean="0"/>
-              <a:t>11/8/2017</a:t>
+              <a:t>11/9/2017</a:t>
             </a:fld>
             <a:endParaRPr lang="en-US"/>
           </a:p>
@@ -1405,7 +1415,7 @@
           <a:p>
             <a:fld id="{2D1072F3-C1D6-41E1-BE99-6268B525527E}" type="datetimeFigureOut">
               <a:rPr lang="en-US" smtClean="0"/>
-              <a:t>11/8/2017</a:t>
+              <a:t>11/9/2017</a:t>
             </a:fld>
             <a:endParaRPr lang="en-US"/>
           </a:p>
@@ -1817,7 +1827,7 @@
           <a:p>
             <a:fld id="{2D1072F3-C1D6-41E1-BE99-6268B525527E}" type="datetimeFigureOut">
               <a:rPr lang="en-US" smtClean="0"/>
-              <a:t>11/8/2017</a:t>
+              <a:t>11/9/2017</a:t>
             </a:fld>
             <a:endParaRPr lang="en-US"/>
           </a:p>
@@ -1958,7 +1968,7 @@
           <a:p>
             <a:fld id="{2D1072F3-C1D6-41E1-BE99-6268B525527E}" type="datetimeFigureOut">
               <a:rPr lang="en-US" smtClean="0"/>
-              <a:t>11/8/2017</a:t>
+              <a:t>11/9/2017</a:t>
             </a:fld>
             <a:endParaRPr lang="en-US"/>
           </a:p>
@@ -2071,7 +2081,7 @@
           <a:p>
             <a:fld id="{2D1072F3-C1D6-41E1-BE99-6268B525527E}" type="datetimeFigureOut">
               <a:rPr lang="en-US" smtClean="0"/>
-              <a:t>11/8/2017</a:t>
+              <a:t>11/9/2017</a:t>
             </a:fld>
             <a:endParaRPr lang="en-US"/>
           </a:p>
@@ -2382,7 +2392,7 @@
           <a:p>
             <a:fld id="{2D1072F3-C1D6-41E1-BE99-6268B525527E}" type="datetimeFigureOut">
               <a:rPr lang="en-US" smtClean="0"/>
-              <a:t>11/8/2017</a:t>
+              <a:t>11/9/2017</a:t>
             </a:fld>
             <a:endParaRPr lang="en-US"/>
           </a:p>
@@ -2670,7 +2680,7 @@
           <a:p>
             <a:fld id="{2D1072F3-C1D6-41E1-BE99-6268B525527E}" type="datetimeFigureOut">
               <a:rPr lang="en-US" smtClean="0"/>
-              <a:t>11/8/2017</a:t>
+              <a:t>11/9/2017</a:t>
             </a:fld>
             <a:endParaRPr lang="en-US"/>
           </a:p>
@@ -2911,7 +2921,7 @@
           <a:p>
             <a:fld id="{2D1072F3-C1D6-41E1-BE99-6268B525527E}" type="datetimeFigureOut">
               <a:rPr lang="en-US" smtClean="0"/>
-              <a:t>11/8/2017</a:t>
+              <a:t>11/9/2017</a:t>
             </a:fld>
             <a:endParaRPr lang="en-US"/>
           </a:p>
@@ -4273,7 +4283,10 @@
           </a:bodyPr>
           <a:lstStyle/>
           <a:p>
-            <a:endParaRPr lang="en-US" sz="4400"/>
+            <a:r>
+              <a:rPr lang="en-US" sz="4400" dirty="0"/>
+              <a:t>Local VCS</a:t>
+            </a:r>
           </a:p>
         </p:txBody>
       </p:sp>
@@ -4309,7 +4322,7 @@
               <a:buFont typeface="Arial" panose="020B0604020202020204" pitchFamily="34" charset="0"/>
               <a:buChar char="•"/>
             </a:pPr>
-            <a:endParaRPr lang="en-US" sz="1800"/>
+            <a:endParaRPr lang="en-US" sz="1800" dirty="0"/>
           </a:p>
         </p:txBody>
       </p:sp>
@@ -4379,7 +4392,10 @@
           </a:bodyPr>
           <a:lstStyle/>
           <a:p>
-            <a:endParaRPr lang="en-US" sz="4400"/>
+            <a:r>
+              <a:rPr lang="en-US" sz="4400" dirty="0"/>
+              <a:t>Centralized VCS</a:t>
+            </a:r>
           </a:p>
         </p:txBody>
       </p:sp>
@@ -4685,7 +4701,10 @@
           </a:bodyPr>
           <a:lstStyle/>
           <a:p>
-            <a:endParaRPr lang="en-US" sz="4000"/>
+            <a:r>
+              <a:rPr lang="en-US" sz="4000" dirty="0"/>
+              <a:t>Distributed VCS</a:t>
+            </a:r>
           </a:p>
         </p:txBody>
       </p:sp>
@@ -4760,15 +4779,15 @@
           <p:cNvPr id="2" name="Title 1">
             <a:extLst>
               <a:ext uri="{FF2B5EF4-FFF2-40B4-BE49-F238E27FC236}">
-                <a16:creationId xmlns:a16="http://schemas.microsoft.com/office/drawing/2014/main" id="{2383270D-BE24-45E2-A966-D536CDBE9CF9}"/>
-              </a:ext>
-            </a:extLst>
-          </p:cNvPr>
-          <p:cNvSpPr>
-            <a:spLocks noGrp="1"/>
-          </p:cNvSpPr>
-          <p:nvPr>
-            <p:ph type="ctrTitle"/>
+                <a16:creationId xmlns:a16="http://schemas.microsoft.com/office/drawing/2014/main" id="{28365432-DABA-46AE-929B-3DA6A587F718}"/>
+              </a:ext>
+            </a:extLst>
+          </p:cNvPr>
+          <p:cNvSpPr>
+            <a:spLocks noGrp="1"/>
+          </p:cNvSpPr>
+          <p:nvPr>
+            <p:ph type="title"/>
           </p:nvPr>
         </p:nvSpPr>
         <p:spPr/>
@@ -4776,39 +4795,159 @@
           <a:bodyPr/>
           <a:lstStyle/>
           <a:p>
-            <a:endParaRPr lang="en-US"/>
-          </a:p>
-        </p:txBody>
-      </p:sp>
-      <p:sp>
-        <p:nvSpPr>
-          <p:cNvPr id="3" name="Subtitle 2">
-            <a:extLst>
-              <a:ext uri="{FF2B5EF4-FFF2-40B4-BE49-F238E27FC236}">
-                <a16:creationId xmlns:a16="http://schemas.microsoft.com/office/drawing/2014/main" id="{25D66AEA-A81A-4352-9C2E-E9784BBE3721}"/>
-              </a:ext>
-            </a:extLst>
-          </p:cNvPr>
-          <p:cNvSpPr>
-            <a:spLocks noGrp="1"/>
-          </p:cNvSpPr>
-          <p:nvPr>
-            <p:ph type="subTitle" idx="1"/>
-          </p:nvPr>
-        </p:nvSpPr>
-        <p:spPr/>
-        <p:txBody>
-          <a:bodyPr/>
-          <a:lstStyle/>
-          <a:p>
-            <a:endParaRPr lang="en-US"/>
-          </a:p>
-        </p:txBody>
-      </p:sp>
+            <a:r>
+              <a:rPr lang="en-US" dirty="0"/>
+              <a:t>Git Basics</a:t>
+            </a:r>
+          </a:p>
+        </p:txBody>
+      </p:sp>
+      <p:sp>
+        <p:nvSpPr>
+          <p:cNvPr id="3" name="Text Placeholder 2">
+            <a:extLst>
+              <a:ext uri="{FF2B5EF4-FFF2-40B4-BE49-F238E27FC236}">
+                <a16:creationId xmlns:a16="http://schemas.microsoft.com/office/drawing/2014/main" id="{6B645CA2-3D97-4898-B1C2-B0DE62CF96DF}"/>
+              </a:ext>
+            </a:extLst>
+          </p:cNvPr>
+          <p:cNvSpPr>
+            <a:spLocks noGrp="1"/>
+          </p:cNvSpPr>
+          <p:nvPr>
+            <p:ph type="body" idx="1"/>
+          </p:nvPr>
+        </p:nvSpPr>
+        <p:spPr>
+          <a:xfrm>
+            <a:off x="839788" y="1308623"/>
+            <a:ext cx="5157787" cy="823912"/>
+          </a:xfrm>
+        </p:spPr>
+        <p:txBody>
+          <a:bodyPr>
+            <a:normAutofit/>
+          </a:bodyPr>
+          <a:lstStyle/>
+          <a:p>
+            <a:pPr algn="ctr"/>
+            <a:r>
+              <a:rPr lang="en-US" sz="3200" dirty="0"/>
+              <a:t>Other VCS</a:t>
+            </a:r>
+          </a:p>
+        </p:txBody>
+      </p:sp>
+      <p:pic>
+        <p:nvPicPr>
+          <p:cNvPr id="8" name="Content Placeholder 7" descr="A close up of text on a black background&#10;&#10;Description generated with high confidence">
+            <a:extLst>
+              <a:ext uri="{FF2B5EF4-FFF2-40B4-BE49-F238E27FC236}">
+                <a16:creationId xmlns:a16="http://schemas.microsoft.com/office/drawing/2014/main" id="{CDB86C8D-E0BD-457C-97D3-492DD91E84D6}"/>
+              </a:ext>
+            </a:extLst>
+          </p:cNvPr>
+          <p:cNvPicPr>
+            <a:picLocks noGrp="1" noChangeAspect="1"/>
+          </p:cNvPicPr>
+          <p:nvPr>
+            <p:ph sz="half" idx="2"/>
+          </p:nvPr>
+        </p:nvPicPr>
+        <p:blipFill>
+          <a:blip r:embed="rId2">
+            <a:extLst>
+              <a:ext uri="{28A0092B-C50C-407E-A947-70E740481C1C}">
+                <a14:useLocalDpi xmlns:a14="http://schemas.microsoft.com/office/drawing/2010/main" val="0"/>
+              </a:ext>
+            </a:extLst>
+          </a:blip>
+          <a:stretch>
+            <a:fillRect/>
+          </a:stretch>
+        </p:blipFill>
+        <p:spPr>
+          <a:xfrm>
+            <a:off x="543648" y="2466437"/>
+            <a:ext cx="4942752" cy="3206231"/>
+          </a:xfrm>
+        </p:spPr>
+      </p:pic>
+      <p:sp>
+        <p:nvSpPr>
+          <p:cNvPr id="5" name="Text Placeholder 4">
+            <a:extLst>
+              <a:ext uri="{FF2B5EF4-FFF2-40B4-BE49-F238E27FC236}">
+                <a16:creationId xmlns:a16="http://schemas.microsoft.com/office/drawing/2014/main" id="{50BBAC64-DE7B-45F5-90ED-888E8113AE7A}"/>
+              </a:ext>
+            </a:extLst>
+          </p:cNvPr>
+          <p:cNvSpPr>
+            <a:spLocks noGrp="1"/>
+          </p:cNvSpPr>
+          <p:nvPr>
+            <p:ph type="body" sz="quarter" idx="3"/>
+          </p:nvPr>
+        </p:nvSpPr>
+        <p:spPr>
+          <a:xfrm>
+            <a:off x="6172200" y="1308623"/>
+            <a:ext cx="5183188" cy="823912"/>
+          </a:xfrm>
+        </p:spPr>
+        <p:txBody>
+          <a:bodyPr>
+            <a:normAutofit/>
+          </a:bodyPr>
+          <a:lstStyle/>
+          <a:p>
+            <a:pPr algn="ctr"/>
+            <a:r>
+              <a:rPr lang="en-US" sz="3600" dirty="0"/>
+              <a:t>Git</a:t>
+            </a:r>
+          </a:p>
+        </p:txBody>
+      </p:sp>
+      <p:pic>
+        <p:nvPicPr>
+          <p:cNvPr id="10" name="Content Placeholder 9" descr="A screenshot of a cell phone&#10;&#10;Description generated with high confidence">
+            <a:extLst>
+              <a:ext uri="{FF2B5EF4-FFF2-40B4-BE49-F238E27FC236}">
+                <a16:creationId xmlns:a16="http://schemas.microsoft.com/office/drawing/2014/main" id="{23F2CCEA-B165-467B-A93B-BAD5AA902495}"/>
+              </a:ext>
+            </a:extLst>
+          </p:cNvPr>
+          <p:cNvPicPr>
+            <a:picLocks noGrp="1" noChangeAspect="1"/>
+          </p:cNvPicPr>
+          <p:nvPr>
+            <p:ph sz="quarter" idx="4"/>
+          </p:nvPr>
+        </p:nvPicPr>
+        <p:blipFill>
+          <a:blip r:embed="rId3">
+            <a:extLst>
+              <a:ext uri="{28A0092B-C50C-407E-A947-70E740481C1C}">
+                <a14:useLocalDpi xmlns:a14="http://schemas.microsoft.com/office/drawing/2010/main" val="0"/>
+              </a:ext>
+            </a:extLst>
+          </a:blip>
+          <a:stretch>
+            <a:fillRect/>
+          </a:stretch>
+        </p:blipFill>
+        <p:spPr>
+          <a:xfrm>
+            <a:off x="6172200" y="2363255"/>
+            <a:ext cx="5276814" cy="3252618"/>
+          </a:xfrm>
+        </p:spPr>
+      </p:pic>
     </p:spTree>
     <p:extLst>
       <p:ext uri="{BB962C8B-B14F-4D97-AF65-F5344CB8AC3E}">
-        <p14:creationId xmlns:p14="http://schemas.microsoft.com/office/powerpoint/2010/main" val="538230807"/>
+        <p14:creationId xmlns:p14="http://schemas.microsoft.com/office/powerpoint/2010/main" val="1057707958"/>
       </p:ext>
     </p:extLst>
   </p:cSld>
@@ -4819,6 +4958,415 @@
 </file>
 
 <file path=ppt/slides/slide8.xml><?xml version="1.0" encoding="utf-8"?>
+<p:sld xmlns:a="http://schemas.openxmlformats.org/drawingml/2006/main" xmlns:r="http://schemas.openxmlformats.org/officeDocument/2006/relationships" xmlns:p="http://schemas.openxmlformats.org/presentationml/2006/main">
+  <p:cSld>
+    <p:spTree>
+      <p:nvGrpSpPr>
+        <p:cNvPr id="1" name=""/>
+        <p:cNvGrpSpPr/>
+        <p:nvPr/>
+      </p:nvGrpSpPr>
+      <p:grpSpPr>
+        <a:xfrm>
+          <a:off x="0" y="0"/>
+          <a:ext cx="0" cy="0"/>
+          <a:chOff x="0" y="0"/>
+          <a:chExt cx="0" cy="0"/>
+        </a:xfrm>
+      </p:grpSpPr>
+      <p:sp>
+        <p:nvSpPr>
+          <p:cNvPr id="2" name="Title 1">
+            <a:extLst>
+              <a:ext uri="{FF2B5EF4-FFF2-40B4-BE49-F238E27FC236}">
+                <a16:creationId xmlns:a16="http://schemas.microsoft.com/office/drawing/2014/main" id="{C318CE4D-0DE2-4FFE-8C23-BF96603F1ABE}"/>
+              </a:ext>
+            </a:extLst>
+          </p:cNvPr>
+          <p:cNvSpPr>
+            <a:spLocks noGrp="1"/>
+          </p:cNvSpPr>
+          <p:nvPr>
+            <p:ph type="title"/>
+          </p:nvPr>
+        </p:nvSpPr>
+        <p:spPr>
+          <a:xfrm>
+            <a:off x="838200" y="3403889"/>
+            <a:ext cx="10515600" cy="1325563"/>
+          </a:xfrm>
+        </p:spPr>
+        <p:txBody>
+          <a:bodyPr>
+            <a:noAutofit/>
+          </a:bodyPr>
+          <a:lstStyle/>
+          <a:p>
+            <a:pPr algn="ctr"/>
+            <a:r>
+              <a:rPr lang="en-US" sz="11500" dirty="0"/>
+              <a:t>3 STATES</a:t>
+            </a:r>
+          </a:p>
+        </p:txBody>
+      </p:sp>
+      <p:pic>
+        <p:nvPicPr>
+          <p:cNvPr id="5" name="Content Placeholder 4" descr="A screenshot of a cell phone&#10;&#10;Description generated with high confidence">
+            <a:extLst>
+              <a:ext uri="{FF2B5EF4-FFF2-40B4-BE49-F238E27FC236}">
+                <a16:creationId xmlns:a16="http://schemas.microsoft.com/office/drawing/2014/main" id="{B06FA06F-2D25-4FE6-9FF0-8AE777349D91}"/>
+              </a:ext>
+            </a:extLst>
+          </p:cNvPr>
+          <p:cNvPicPr>
+            <a:picLocks noGrp="1" noChangeAspect="1"/>
+          </p:cNvPicPr>
+          <p:nvPr>
+            <p:ph idx="1"/>
+          </p:nvPr>
+        </p:nvPicPr>
+        <p:blipFill>
+          <a:blip r:embed="rId2">
+            <a:extLst>
+              <a:ext uri="{28A0092B-C50C-407E-A947-70E740481C1C}">
+                <a14:useLocalDpi xmlns:a14="http://schemas.microsoft.com/office/drawing/2010/main" val="0"/>
+              </a:ext>
+            </a:extLst>
+          </a:blip>
+          <a:stretch>
+            <a:fillRect/>
+          </a:stretch>
+        </p:blipFill>
+        <p:spPr>
+          <a:xfrm>
+            <a:off x="1311066" y="882452"/>
+            <a:ext cx="9802066" cy="5403389"/>
+          </a:xfrm>
+        </p:spPr>
+      </p:pic>
+    </p:spTree>
+    <p:extLst>
+      <p:ext uri="{BB962C8B-B14F-4D97-AF65-F5344CB8AC3E}">
+        <p14:creationId xmlns:p14="http://schemas.microsoft.com/office/powerpoint/2010/main" val="4288806935"/>
+      </p:ext>
+    </p:extLst>
+  </p:cSld>
+  <p:clrMapOvr>
+    <a:masterClrMapping/>
+  </p:clrMapOvr>
+  <p:timing>
+    <p:tnLst>
+      <p:par>
+        <p:cTn id="1" dur="indefinite" restart="never" nodeType="tmRoot">
+          <p:childTnLst>
+            <p:seq concurrent="1" nextAc="seek">
+              <p:cTn id="2" dur="indefinite" nodeType="mainSeq">
+                <p:childTnLst>
+                  <p:par>
+                    <p:cTn id="3" fill="hold">
+                      <p:stCondLst>
+                        <p:cond delay="indefinite"/>
+                      </p:stCondLst>
+                      <p:childTnLst>
+                        <p:par>
+                          <p:cTn id="4" fill="hold">
+                            <p:stCondLst>
+                              <p:cond delay="0"/>
+                            </p:stCondLst>
+                            <p:childTnLst>
+                              <p:par>
+                                <p:cTn id="5" presetID="45" presetClass="entr" presetSubtype="0" fill="hold" grpId="0" nodeType="clickEffect">
+                                  <p:stCondLst>
+                                    <p:cond delay="0"/>
+                                  </p:stCondLst>
+                                  <p:childTnLst>
+                                    <p:set>
+                                      <p:cBhvr>
+                                        <p:cTn id="6" dur="1" fill="hold">
+                                          <p:stCondLst>
+                                            <p:cond delay="0"/>
+                                          </p:stCondLst>
+                                        </p:cTn>
+                                        <p:tgtEl>
+                                          <p:spTgt spid="2"/>
+                                        </p:tgtEl>
+                                        <p:attrNameLst>
+                                          <p:attrName>style.visibility</p:attrName>
+                                        </p:attrNameLst>
+                                      </p:cBhvr>
+                                      <p:to>
+                                        <p:strVal val="visible"/>
+                                      </p:to>
+                                    </p:set>
+                                    <p:animEffect transition="in" filter="fade">
+                                      <p:cBhvr>
+                                        <p:cTn id="7" dur="2000"/>
+                                        <p:tgtEl>
+                                          <p:spTgt spid="2"/>
+                                        </p:tgtEl>
+                                      </p:cBhvr>
+                                    </p:animEffect>
+                                    <p:anim calcmode="lin" valueType="num">
+                                      <p:cBhvr>
+                                        <p:cTn id="8" dur="2000" fill="hold"/>
+                                        <p:tgtEl>
+                                          <p:spTgt spid="2"/>
+                                        </p:tgtEl>
+                                        <p:attrNameLst>
+                                          <p:attrName>ppt_w</p:attrName>
+                                        </p:attrNameLst>
+                                      </p:cBhvr>
+                                      <p:tavLst>
+                                        <p:tav tm="0" fmla="#ppt_w*sin(2.5*pi*$)">
+                                          <p:val>
+                                            <p:fltVal val="0"/>
+                                          </p:val>
+                                        </p:tav>
+                                        <p:tav tm="100000">
+                                          <p:val>
+                                            <p:fltVal val="1"/>
+                                          </p:val>
+                                        </p:tav>
+                                      </p:tavLst>
+                                    </p:anim>
+                                    <p:anim calcmode="lin" valueType="num">
+                                      <p:cBhvr>
+                                        <p:cTn id="9" dur="2000" fill="hold"/>
+                                        <p:tgtEl>
+                                          <p:spTgt spid="2"/>
+                                        </p:tgtEl>
+                                        <p:attrNameLst>
+                                          <p:attrName>ppt_h</p:attrName>
+                                        </p:attrNameLst>
+                                      </p:cBhvr>
+                                      <p:tavLst>
+                                        <p:tav tm="0">
+                                          <p:val>
+                                            <p:strVal val="#ppt_h"/>
+                                          </p:val>
+                                        </p:tav>
+                                        <p:tav tm="100000">
+                                          <p:val>
+                                            <p:strVal val="#ppt_h"/>
+                                          </p:val>
+                                        </p:tav>
+                                      </p:tavLst>
+                                    </p:anim>
+                                  </p:childTnLst>
+                                </p:cTn>
+                              </p:par>
+                            </p:childTnLst>
+                          </p:cTn>
+                        </p:par>
+                      </p:childTnLst>
+                    </p:cTn>
+                  </p:par>
+                  <p:par>
+                    <p:cTn id="10" fill="hold">
+                      <p:stCondLst>
+                        <p:cond delay="indefinite"/>
+                      </p:stCondLst>
+                      <p:childTnLst>
+                        <p:par>
+                          <p:cTn id="11" fill="hold">
+                            <p:stCondLst>
+                              <p:cond delay="0"/>
+                            </p:stCondLst>
+                            <p:childTnLst>
+                              <p:par>
+                                <p:cTn id="12" presetID="22" presetClass="exit" presetSubtype="4" fill="hold" grpId="1" nodeType="clickEffect">
+                                  <p:stCondLst>
+                                    <p:cond delay="0"/>
+                                  </p:stCondLst>
+                                  <p:childTnLst>
+                                    <p:animEffect transition="out" filter="wipe(down)">
+                                      <p:cBhvr>
+                                        <p:cTn id="13" dur="500"/>
+                                        <p:tgtEl>
+                                          <p:spTgt spid="2"/>
+                                        </p:tgtEl>
+                                      </p:cBhvr>
+                                    </p:animEffect>
+                                    <p:set>
+                                      <p:cBhvr>
+                                        <p:cTn id="14" dur="1" fill="hold">
+                                          <p:stCondLst>
+                                            <p:cond delay="499"/>
+                                          </p:stCondLst>
+                                        </p:cTn>
+                                        <p:tgtEl>
+                                          <p:spTgt spid="2"/>
+                                        </p:tgtEl>
+                                        <p:attrNameLst>
+                                          <p:attrName>style.visibility</p:attrName>
+                                        </p:attrNameLst>
+                                      </p:cBhvr>
+                                      <p:to>
+                                        <p:strVal val="hidden"/>
+                                      </p:to>
+                                    </p:set>
+                                  </p:childTnLst>
+                                </p:cTn>
+                              </p:par>
+                            </p:childTnLst>
+                          </p:cTn>
+                        </p:par>
+                      </p:childTnLst>
+                    </p:cTn>
+                  </p:par>
+                  <p:par>
+                    <p:cTn id="15" fill="hold">
+                      <p:stCondLst>
+                        <p:cond delay="indefinite"/>
+                      </p:stCondLst>
+                      <p:childTnLst>
+                        <p:par>
+                          <p:cTn id="16" fill="hold">
+                            <p:stCondLst>
+                              <p:cond delay="0"/>
+                            </p:stCondLst>
+                            <p:childTnLst>
+                              <p:par>
+                                <p:cTn id="17" presetID="31" presetClass="entr" presetSubtype="0" fill="hold" nodeType="clickEffect">
+                                  <p:stCondLst>
+                                    <p:cond delay="0"/>
+                                  </p:stCondLst>
+                                  <p:childTnLst>
+                                    <p:set>
+                                      <p:cBhvr>
+                                        <p:cTn id="18" dur="1" fill="hold">
+                                          <p:stCondLst>
+                                            <p:cond delay="0"/>
+                                          </p:stCondLst>
+                                        </p:cTn>
+                                        <p:tgtEl>
+                                          <p:spTgt spid="5"/>
+                                        </p:tgtEl>
+                                        <p:attrNameLst>
+                                          <p:attrName>style.visibility</p:attrName>
+                                        </p:attrNameLst>
+                                      </p:cBhvr>
+                                      <p:to>
+                                        <p:strVal val="visible"/>
+                                      </p:to>
+                                    </p:set>
+                                    <p:anim calcmode="lin" valueType="num">
+                                      <p:cBhvr>
+                                        <p:cTn id="19" dur="1000" fill="hold"/>
+                                        <p:tgtEl>
+                                          <p:spTgt spid="5"/>
+                                        </p:tgtEl>
+                                        <p:attrNameLst>
+                                          <p:attrName>ppt_w</p:attrName>
+                                        </p:attrNameLst>
+                                      </p:cBhvr>
+                                      <p:tavLst>
+                                        <p:tav tm="0">
+                                          <p:val>
+                                            <p:fltVal val="0"/>
+                                          </p:val>
+                                        </p:tav>
+                                        <p:tav tm="100000">
+                                          <p:val>
+                                            <p:strVal val="#ppt_w"/>
+                                          </p:val>
+                                        </p:tav>
+                                      </p:tavLst>
+                                    </p:anim>
+                                    <p:anim calcmode="lin" valueType="num">
+                                      <p:cBhvr>
+                                        <p:cTn id="20" dur="1000" fill="hold"/>
+                                        <p:tgtEl>
+                                          <p:spTgt spid="5"/>
+                                        </p:tgtEl>
+                                        <p:attrNameLst>
+                                          <p:attrName>ppt_h</p:attrName>
+                                        </p:attrNameLst>
+                                      </p:cBhvr>
+                                      <p:tavLst>
+                                        <p:tav tm="0">
+                                          <p:val>
+                                            <p:fltVal val="0"/>
+                                          </p:val>
+                                        </p:tav>
+                                        <p:tav tm="100000">
+                                          <p:val>
+                                            <p:strVal val="#ppt_h"/>
+                                          </p:val>
+                                        </p:tav>
+                                      </p:tavLst>
+                                    </p:anim>
+                                    <p:anim calcmode="lin" valueType="num">
+                                      <p:cBhvr>
+                                        <p:cTn id="21" dur="1000" fill="hold"/>
+                                        <p:tgtEl>
+                                          <p:spTgt spid="5"/>
+                                        </p:tgtEl>
+                                        <p:attrNameLst>
+                                          <p:attrName>style.rotation</p:attrName>
+                                        </p:attrNameLst>
+                                      </p:cBhvr>
+                                      <p:tavLst>
+                                        <p:tav tm="0">
+                                          <p:val>
+                                            <p:fltVal val="90"/>
+                                          </p:val>
+                                        </p:tav>
+                                        <p:tav tm="100000">
+                                          <p:val>
+                                            <p:fltVal val="0"/>
+                                          </p:val>
+                                        </p:tav>
+                                      </p:tavLst>
+                                    </p:anim>
+                                    <p:animEffect transition="in" filter="fade">
+                                      <p:cBhvr>
+                                        <p:cTn id="22" dur="1000"/>
+                                        <p:tgtEl>
+                                          <p:spTgt spid="5"/>
+                                        </p:tgtEl>
+                                      </p:cBhvr>
+                                    </p:animEffect>
+                                  </p:childTnLst>
+                                </p:cTn>
+                              </p:par>
+                            </p:childTnLst>
+                          </p:cTn>
+                        </p:par>
+                      </p:childTnLst>
+                    </p:cTn>
+                  </p:par>
+                </p:childTnLst>
+              </p:cTn>
+              <p:prevCondLst>
+                <p:cond evt="onPrev" delay="0">
+                  <p:tgtEl>
+                    <p:sldTgt/>
+                  </p:tgtEl>
+                </p:cond>
+              </p:prevCondLst>
+              <p:nextCondLst>
+                <p:cond evt="onNext" delay="0">
+                  <p:tgtEl>
+                    <p:sldTgt/>
+                  </p:tgtEl>
+                </p:cond>
+              </p:nextCondLst>
+            </p:seq>
+          </p:childTnLst>
+        </p:cTn>
+      </p:par>
+    </p:tnLst>
+    <p:bldLst>
+      <p:bldP spid="2" grpId="0"/>
+      <p:bldP spid="2" grpId="1"/>
+    </p:bldLst>
+  </p:timing>
+</p:sld>
+</file>
+
+<file path=ppt/slides/slide9.xml><?xml version="1.0" encoding="utf-8"?>
 <p:sld xmlns:a="http://schemas.openxmlformats.org/drawingml/2006/main" xmlns:r="http://schemas.openxmlformats.org/officeDocument/2006/relationships" xmlns:p="http://schemas.openxmlformats.org/presentationml/2006/main">
   <p:cSld>
     <p:bg>

--- a/PennTechnoGrads.pptx
+++ b/PennTechnoGrads.pptx
@@ -279,7 +279,7 @@
           <a:p>
             <a:fld id="{2D1072F3-C1D6-41E1-BE99-6268B525527E}" type="datetimeFigureOut">
               <a:rPr lang="en-US" smtClean="0"/>
-              <a:t>11/10/2017</a:t>
+              <a:t>11/11/2017</a:t>
             </a:fld>
             <a:endParaRPr lang="en-US"/>
           </a:p>
@@ -477,7 +477,7 @@
           <a:p>
             <a:fld id="{2D1072F3-C1D6-41E1-BE99-6268B525527E}" type="datetimeFigureOut">
               <a:rPr lang="en-US" smtClean="0"/>
-              <a:t>11/10/2017</a:t>
+              <a:t>11/11/2017</a:t>
             </a:fld>
             <a:endParaRPr lang="en-US"/>
           </a:p>
@@ -685,7 +685,7 @@
           <a:p>
             <a:fld id="{2D1072F3-C1D6-41E1-BE99-6268B525527E}" type="datetimeFigureOut">
               <a:rPr lang="en-US" smtClean="0"/>
-              <a:t>11/10/2017</a:t>
+              <a:t>11/11/2017</a:t>
             </a:fld>
             <a:endParaRPr lang="en-US"/>
           </a:p>
@@ -883,7 +883,7 @@
           <a:p>
             <a:fld id="{2D1072F3-C1D6-41E1-BE99-6268B525527E}" type="datetimeFigureOut">
               <a:rPr lang="en-US" smtClean="0"/>
-              <a:t>11/10/2017</a:t>
+              <a:t>11/11/2017</a:t>
             </a:fld>
             <a:endParaRPr lang="en-US"/>
           </a:p>
@@ -1158,7 +1158,7 @@
           <a:p>
             <a:fld id="{2D1072F3-C1D6-41E1-BE99-6268B525527E}" type="datetimeFigureOut">
               <a:rPr lang="en-US" smtClean="0"/>
-              <a:t>11/10/2017</a:t>
+              <a:t>11/11/2017</a:t>
             </a:fld>
             <a:endParaRPr lang="en-US"/>
           </a:p>
@@ -1423,7 +1423,7 @@
           <a:p>
             <a:fld id="{2D1072F3-C1D6-41E1-BE99-6268B525527E}" type="datetimeFigureOut">
               <a:rPr lang="en-US" smtClean="0"/>
-              <a:t>11/10/2017</a:t>
+              <a:t>11/11/2017</a:t>
             </a:fld>
             <a:endParaRPr lang="en-US"/>
           </a:p>
@@ -1835,7 +1835,7 @@
           <a:p>
             <a:fld id="{2D1072F3-C1D6-41E1-BE99-6268B525527E}" type="datetimeFigureOut">
               <a:rPr lang="en-US" smtClean="0"/>
-              <a:t>11/10/2017</a:t>
+              <a:t>11/11/2017</a:t>
             </a:fld>
             <a:endParaRPr lang="en-US"/>
           </a:p>
@@ -1976,7 +1976,7 @@
           <a:p>
             <a:fld id="{2D1072F3-C1D6-41E1-BE99-6268B525527E}" type="datetimeFigureOut">
               <a:rPr lang="en-US" smtClean="0"/>
-              <a:t>11/10/2017</a:t>
+              <a:t>11/11/2017</a:t>
             </a:fld>
             <a:endParaRPr lang="en-US"/>
           </a:p>
@@ -2089,7 +2089,7 @@
           <a:p>
             <a:fld id="{2D1072F3-C1D6-41E1-BE99-6268B525527E}" type="datetimeFigureOut">
               <a:rPr lang="en-US" smtClean="0"/>
-              <a:t>11/10/2017</a:t>
+              <a:t>11/11/2017</a:t>
             </a:fld>
             <a:endParaRPr lang="en-US"/>
           </a:p>
@@ -2400,7 +2400,7 @@
           <a:p>
             <a:fld id="{2D1072F3-C1D6-41E1-BE99-6268B525527E}" type="datetimeFigureOut">
               <a:rPr lang="en-US" smtClean="0"/>
-              <a:t>11/10/2017</a:t>
+              <a:t>11/11/2017</a:t>
             </a:fld>
             <a:endParaRPr lang="en-US"/>
           </a:p>
@@ -2688,7 +2688,7 @@
           <a:p>
             <a:fld id="{2D1072F3-C1D6-41E1-BE99-6268B525527E}" type="datetimeFigureOut">
               <a:rPr lang="en-US" smtClean="0"/>
-              <a:t>11/10/2017</a:t>
+              <a:t>11/11/2017</a:t>
             </a:fld>
             <a:endParaRPr lang="en-US"/>
           </a:p>
@@ -2929,7 +2929,7 @@
           <a:p>
             <a:fld id="{2D1072F3-C1D6-41E1-BE99-6268B525527E}" type="datetimeFigureOut">
               <a:rPr lang="en-US" smtClean="0"/>
-              <a:t>11/10/2017</a:t>
+              <a:t>11/11/2017</a:t>
             </a:fld>
             <a:endParaRPr lang="en-US"/>
           </a:p>
@@ -9105,6 +9105,17 @@
 <file path=ppt/slides/slide17.xml><?xml version="1.0" encoding="utf-8"?>
 <p:sld xmlns:a="http://schemas.openxmlformats.org/drawingml/2006/main" xmlns:r="http://schemas.openxmlformats.org/officeDocument/2006/relationships" xmlns:p="http://schemas.openxmlformats.org/presentationml/2006/main">
   <p:cSld>
+    <p:bg>
+      <p:bgPr>
+        <a:solidFill>
+          <a:schemeClr val="bg1">
+            <a:tint val="95000"/>
+            <a:satMod val="170000"/>
+          </a:schemeClr>
+        </a:solidFill>
+        <a:effectLst/>
+      </p:bgPr>
+    </p:bg>
     <p:spTree>
       <p:nvGrpSpPr>
         <p:cNvPr id="1" name=""/>
@@ -9119,6 +9130,201 @@
           <a:chExt cx="0" cy="0"/>
         </a:xfrm>
       </p:grpSpPr>
+      <p:grpSp>
+        <p:nvGrpSpPr>
+          <p:cNvPr id="14" name="Group 7" title="intersecting circles">
+            <a:extLst>
+              <a:ext uri="{FF2B5EF4-FFF2-40B4-BE49-F238E27FC236}">
+                <a16:creationId xmlns:a16="http://schemas.microsoft.com/office/drawing/2014/main" id="{D2C4BFA1-2075-4901-9E24-E41D1FDD51FD}"/>
+              </a:ext>
+            </a:extLst>
+          </p:cNvPr>
+          <p:cNvGrpSpPr>
+            <a:grpSpLocks noGrp="1" noUngrp="1" noRot="1" noChangeAspect="1" noMove="1" noResize="1"/>
+          </p:cNvGrpSpPr>
+          <p:nvPr>
+            <p:extLst>
+              <p:ext uri="{386F3935-93C4-4BCD-93E2-E3B085C9AB24}">
+                <p16:designElem xmlns:p16="http://schemas.microsoft.com/office/powerpoint/2015/main" val="1"/>
+              </p:ext>
+            </p:extLst>
+          </p:nvPr>
+        </p:nvGrpSpPr>
+        <p:grpSpPr>
+          <a:xfrm>
+            <a:off x="1155481" y="498348"/>
+            <a:ext cx="9902663" cy="5861304"/>
+            <a:chOff x="1155481" y="498348"/>
+            <a:chExt cx="9902663" cy="5861304"/>
+          </a:xfrm>
+        </p:grpSpPr>
+        <p:sp>
+          <p:nvSpPr>
+            <p:cNvPr id="9" name="Oval 5">
+              <a:extLst>
+                <a:ext uri="{FF2B5EF4-FFF2-40B4-BE49-F238E27FC236}">
+                  <a16:creationId xmlns:a16="http://schemas.microsoft.com/office/drawing/2014/main" id="{985A7375-E3AF-4F5C-85AE-17E8832952CA}"/>
+                </a:ext>
+              </a:extLst>
+            </p:cNvPr>
+            <p:cNvSpPr>
+              <a:spLocks noChangeArrowheads="1"/>
+            </p:cNvSpPr>
+            <p:nvPr>
+              <p:extLst>
+                <p:ext uri="{386F3935-93C4-4BCD-93E2-E3B085C9AB24}">
+                  <p16:designElem xmlns:p16="http://schemas.microsoft.com/office/powerpoint/2015/main" val="1"/>
+                </p:ext>
+              </p:extLst>
+            </p:nvPr>
+          </p:nvSpPr>
+          <p:spPr bwMode="auto">
+            <a:xfrm>
+              <a:off x="1155481" y="498348"/>
+              <a:ext cx="5861304" cy="5861304"/>
+            </a:xfrm>
+            <a:prstGeom prst="ellipse">
+              <a:avLst/>
+            </a:prstGeom>
+            <a:solidFill>
+              <a:schemeClr val="accent1">
+                <a:alpha val="55000"/>
+              </a:schemeClr>
+            </a:solidFill>
+            <a:ln>
+              <a:noFill/>
+            </a:ln>
+          </p:spPr>
+        </p:sp>
+        <p:sp>
+          <p:nvSpPr>
+            <p:cNvPr id="15" name="Oval 9">
+              <a:extLst>
+                <a:ext uri="{FF2B5EF4-FFF2-40B4-BE49-F238E27FC236}">
+                  <a16:creationId xmlns:a16="http://schemas.microsoft.com/office/drawing/2014/main" id="{F0307F65-8304-4FA8-A841-D4D7625411BE}"/>
+                </a:ext>
+              </a:extLst>
+            </p:cNvPr>
+            <p:cNvSpPr>
+              <a:spLocks noChangeArrowheads="1"/>
+            </p:cNvSpPr>
+            <p:nvPr>
+              <p:extLst>
+                <p:ext uri="{386F3935-93C4-4BCD-93E2-E3B085C9AB24}">
+                  <p16:designElem xmlns:p16="http://schemas.microsoft.com/office/powerpoint/2015/main" val="1"/>
+                </p:ext>
+              </p:extLst>
+            </p:nvPr>
+          </p:nvSpPr>
+          <p:spPr bwMode="auto">
+            <a:xfrm>
+              <a:off x="5196840" y="498348"/>
+              <a:ext cx="5861304" cy="5861304"/>
+            </a:xfrm>
+            <a:prstGeom prst="ellipse">
+              <a:avLst/>
+            </a:prstGeom>
+            <a:solidFill>
+              <a:schemeClr val="accent1">
+                <a:alpha val="55000"/>
+              </a:schemeClr>
+            </a:solidFill>
+            <a:ln>
+              <a:noFill/>
+            </a:ln>
+          </p:spPr>
+        </p:sp>
+        <p:sp>
+          <p:nvSpPr>
+            <p:cNvPr id="11" name="Oval 5">
+              <a:extLst>
+                <a:ext uri="{FF2B5EF4-FFF2-40B4-BE49-F238E27FC236}">
+                  <a16:creationId xmlns:a16="http://schemas.microsoft.com/office/drawing/2014/main" id="{C8B8394C-136F-4E05-A002-D93A5E79CD50}"/>
+                </a:ext>
+              </a:extLst>
+            </p:cNvPr>
+            <p:cNvSpPr>
+              <a:spLocks noChangeArrowheads="1"/>
+            </p:cNvSpPr>
+            <p:nvPr>
+              <p:extLst>
+                <p:ext uri="{386F3935-93C4-4BCD-93E2-E3B085C9AB24}">
+                  <p16:designElem xmlns:p16="http://schemas.microsoft.com/office/powerpoint/2015/main" val="1"/>
+                </p:ext>
+              </p:extLst>
+            </p:nvPr>
+          </p:nvSpPr>
+          <p:spPr bwMode="auto">
+            <a:xfrm>
+              <a:off x="3165348" y="498348"/>
+              <a:ext cx="5861304" cy="5861304"/>
+            </a:xfrm>
+            <a:prstGeom prst="ellipse">
+              <a:avLst/>
+            </a:prstGeom>
+            <a:solidFill>
+              <a:schemeClr val="accent1">
+                <a:alpha val="70000"/>
+              </a:schemeClr>
+            </a:solidFill>
+            <a:ln>
+              <a:noFill/>
+            </a:ln>
+          </p:spPr>
+        </p:sp>
+      </p:grpSp>
+      <p:sp>
+        <p:nvSpPr>
+          <p:cNvPr id="13" name="Rectangle 12" title="ribbon">
+            <a:extLst>
+              <a:ext uri="{FF2B5EF4-FFF2-40B4-BE49-F238E27FC236}">
+                <a16:creationId xmlns:a16="http://schemas.microsoft.com/office/drawing/2014/main" id="{053FB2EE-284F-4C87-AB3D-BBF87A9FAB97}"/>
+              </a:ext>
+            </a:extLst>
+          </p:cNvPr>
+          <p:cNvSpPr>
+            <a:spLocks noGrp="1" noRot="1" noChangeAspect="1" noMove="1" noResize="1" noEditPoints="1" noAdjustHandles="1" noChangeArrowheads="1" noChangeShapeType="1" noTextEdit="1"/>
+          </p:cNvSpPr>
+          <p:nvPr>
+            <p:extLst>
+              <p:ext uri="{386F3935-93C4-4BCD-93E2-E3B085C9AB24}">
+                <p16:designElem xmlns:p16="http://schemas.microsoft.com/office/powerpoint/2015/main" val="1"/>
+              </p:ext>
+            </p:extLst>
+          </p:nvPr>
+        </p:nvSpPr>
+        <p:spPr>
+          <a:xfrm>
+            <a:off x="0" y="2514600"/>
+            <a:ext cx="12192000" cy="1828800"/>
+          </a:xfrm>
+          <a:prstGeom prst="rect">
+            <a:avLst/>
+          </a:prstGeom>
+          <a:solidFill>
+            <a:schemeClr val="tx2"/>
+          </a:solidFill>
+          <a:ln>
+            <a:noFill/>
+          </a:ln>
+        </p:spPr>
+        <p:style>
+          <a:lnRef idx="2">
+            <a:schemeClr val="accent1">
+              <a:shade val="50000"/>
+            </a:schemeClr>
+          </a:lnRef>
+          <a:fillRef idx="1">
+            <a:schemeClr val="accent1"/>
+          </a:fillRef>
+          <a:effectRef idx="0">
+            <a:schemeClr val="accent1"/>
+          </a:effectRef>
+          <a:fontRef idx="minor">
+            <a:schemeClr val="lt1"/>
+          </a:fontRef>
+        </p:style>
+      </p:sp>
       <p:sp>
         <p:nvSpPr>
           <p:cNvPr id="2" name="Title 1">
@@ -9135,37 +9341,30 @@
             <p:ph type="title"/>
           </p:nvPr>
         </p:nvSpPr>
-        <p:spPr/>
+        <p:spPr>
+          <a:xfrm>
+            <a:off x="1524000" y="2776538"/>
+            <a:ext cx="9144000" cy="1381188"/>
+          </a:xfrm>
+        </p:spPr>
         <p:txBody>
-          <a:bodyPr/>
+          <a:bodyPr vert="horz" lIns="91440" tIns="45720" rIns="91440" bIns="45720" rtlCol="0" anchor="ctr">
+            <a:normAutofit/>
+          </a:bodyPr>
           <a:lstStyle/>
           <a:p>
-            <a:endParaRPr lang="en-US"/>
-          </a:p>
-        </p:txBody>
-      </p:sp>
-      <p:sp>
-        <p:nvSpPr>
-          <p:cNvPr id="3" name="Content Placeholder 2">
-            <a:extLst>
-              <a:ext uri="{FF2B5EF4-FFF2-40B4-BE49-F238E27FC236}">
-                <a16:creationId xmlns:a16="http://schemas.microsoft.com/office/drawing/2014/main" id="{F30BA2D6-0279-4828-9C12-E4924258A92F}"/>
-              </a:ext>
-            </a:extLst>
-          </p:cNvPr>
-          <p:cNvSpPr>
-            <a:spLocks noGrp="1"/>
-          </p:cNvSpPr>
-          <p:nvPr>
-            <p:ph idx="1"/>
-          </p:nvPr>
-        </p:nvSpPr>
-        <p:spPr/>
-        <p:txBody>
-          <a:bodyPr/>
-          <a:lstStyle/>
-          <a:p>
-            <a:endParaRPr lang="en-US"/>
+            <a:pPr algn="ctr"/>
+            <a:r>
+              <a:rPr lang="en-US" sz="4000" kern="1200">
+                <a:solidFill>
+                  <a:schemeClr val="bg2"/>
+                </a:solidFill>
+                <a:latin typeface="+mj-lt"/>
+                <a:ea typeface="+mj-ea"/>
+                <a:cs typeface="+mj-cs"/>
+              </a:rPr>
+              <a:t>Questions?</a:t>
+            </a:r>
           </a:p>
         </p:txBody>
       </p:sp>
@@ -9177,7 +9376,7 @@
     </p:extLst>
   </p:cSld>
   <p:clrMapOvr>
-    <a:masterClrMapping/>
+    <a:overrideClrMapping bg1="dk1" tx1="lt1" bg2="dk2" tx2="lt2" accent1="accent1" accent2="accent2" accent3="accent3" accent4="accent4" accent5="accent5" accent6="accent6" hlink="hlink" folHlink="folHlink"/>
   </p:clrMapOvr>
 </p:sld>
 </file>

--- a/PennTechnoGrads.pptx
+++ b/PennTechnoGrads.pptx
@@ -5682,6 +5682,41 @@
                 </a:solidFill>
               </a:rPr>
               <a:t>-Nirav Shah</a:t>
+            </a:r>
+          </a:p>
+        </p:txBody>
+      </p:sp>
+      <p:sp>
+        <p:nvSpPr>
+          <p:cNvPr id="4" name="TextBox 3">
+            <a:extLst>
+              <a:ext uri="{FF2B5EF4-FFF2-40B4-BE49-F238E27FC236}">
+                <a16:creationId xmlns:a16="http://schemas.microsoft.com/office/drawing/2014/main" id="{B5DCC5C4-BFDE-492C-9A3D-64E94D554B7A}"/>
+              </a:ext>
+            </a:extLst>
+          </p:cNvPr>
+          <p:cNvSpPr txBox="1"/>
+          <p:nvPr/>
+        </p:nvSpPr>
+        <p:spPr>
+          <a:xfrm>
+            <a:off x="6831857" y="858982"/>
+            <a:ext cx="45719" cy="5355312"/>
+          </a:xfrm>
+          <a:prstGeom prst="rect">
+            <a:avLst/>
+          </a:prstGeom>
+          <a:noFill/>
+        </p:spPr>
+        <p:txBody>
+          <a:bodyPr wrap="square" rtlCol="0">
+            <a:spAutoFit/>
+          </a:bodyPr>
+          <a:lstStyle/>
+          <a:p>
+            <a:r>
+              <a:rPr lang="en-US"/>
+              <a:t>dhasudyiusadyiewdsa</a:t>
             </a:r>
           </a:p>
         </p:txBody>
